--- a/DsDotNet/src/UnitTest/UnitTest.Model/ImportOfficeExample/exportDS/testB/B1/B2/B3/clp.pptx
+++ b/DsDotNet/src/UnitTest/UnitTest.Model/ImportOfficeExample/exportDS/testB/B1/B2/B3/clp.pptx
@@ -105,6 +105,11 @@
       </a:defRPr>
     </a:lvl9pPr>
   </p:defaultTextStyle>
+  <p:extLst>
+    <p:ext uri="{EFAFB233-063F-42B5-8137-9DF3F51BA10A}">
+      <p15:sldGuideLst xmlns:p15="http://schemas.microsoft.com/office/powerpoint/2012/main"/>
+    </p:ext>
+  </p:extLst>
 </p:presentation>
 </file>
 
@@ -255,7 +260,7 @@
           <a:p>
             <a:fld id="{E31A602F-9409-4B9A-9D14-798E704D8577}" type="datetimeFigureOut">
               <a:rPr lang="ko-KR" altLang="en-US" smtClean="0"/>
-              <a:t>2023-10-17</a:t>
+              <a:t>2024-01-02</a:t>
             </a:fld>
             <a:endParaRPr lang="ko-KR" altLang="en-US"/>
           </a:p>
@@ -453,7 +458,7 @@
           <a:p>
             <a:fld id="{E31A602F-9409-4B9A-9D14-798E704D8577}" type="datetimeFigureOut">
               <a:rPr lang="ko-KR" altLang="en-US" smtClean="0"/>
-              <a:t>2023-10-17</a:t>
+              <a:t>2024-01-02</a:t>
             </a:fld>
             <a:endParaRPr lang="ko-KR" altLang="en-US"/>
           </a:p>
@@ -661,7 +666,7 @@
           <a:p>
             <a:fld id="{E31A602F-9409-4B9A-9D14-798E704D8577}" type="datetimeFigureOut">
               <a:rPr lang="ko-KR" altLang="en-US" smtClean="0"/>
-              <a:t>2023-10-17</a:t>
+              <a:t>2024-01-02</a:t>
             </a:fld>
             <a:endParaRPr lang="ko-KR" altLang="en-US"/>
           </a:p>
@@ -859,7 +864,7 @@
           <a:p>
             <a:fld id="{E31A602F-9409-4B9A-9D14-798E704D8577}" type="datetimeFigureOut">
               <a:rPr lang="ko-KR" altLang="en-US" smtClean="0"/>
-              <a:t>2023-10-17</a:t>
+              <a:t>2024-01-02</a:t>
             </a:fld>
             <a:endParaRPr lang="ko-KR" altLang="en-US"/>
           </a:p>
@@ -1134,7 +1139,7 @@
           <a:p>
             <a:fld id="{E31A602F-9409-4B9A-9D14-798E704D8577}" type="datetimeFigureOut">
               <a:rPr lang="ko-KR" altLang="en-US" smtClean="0"/>
-              <a:t>2023-10-17</a:t>
+              <a:t>2024-01-02</a:t>
             </a:fld>
             <a:endParaRPr lang="ko-KR" altLang="en-US"/>
           </a:p>
@@ -1399,7 +1404,7 @@
           <a:p>
             <a:fld id="{E31A602F-9409-4B9A-9D14-798E704D8577}" type="datetimeFigureOut">
               <a:rPr lang="ko-KR" altLang="en-US" smtClean="0"/>
-              <a:t>2023-10-17</a:t>
+              <a:t>2024-01-02</a:t>
             </a:fld>
             <a:endParaRPr lang="ko-KR" altLang="en-US"/>
           </a:p>
@@ -1811,7 +1816,7 @@
           <a:p>
             <a:fld id="{E31A602F-9409-4B9A-9D14-798E704D8577}" type="datetimeFigureOut">
               <a:rPr lang="ko-KR" altLang="en-US" smtClean="0"/>
-              <a:t>2023-10-17</a:t>
+              <a:t>2024-01-02</a:t>
             </a:fld>
             <a:endParaRPr lang="ko-KR" altLang="en-US"/>
           </a:p>
@@ -1952,7 +1957,7 @@
           <a:p>
             <a:fld id="{E31A602F-9409-4B9A-9D14-798E704D8577}" type="datetimeFigureOut">
               <a:rPr lang="ko-KR" altLang="en-US" smtClean="0"/>
-              <a:t>2023-10-17</a:t>
+              <a:t>2024-01-02</a:t>
             </a:fld>
             <a:endParaRPr lang="ko-KR" altLang="en-US"/>
           </a:p>
@@ -2065,7 +2070,7 @@
           <a:p>
             <a:fld id="{E31A602F-9409-4B9A-9D14-798E704D8577}" type="datetimeFigureOut">
               <a:rPr lang="ko-KR" altLang="en-US" smtClean="0"/>
-              <a:t>2023-10-17</a:t>
+              <a:t>2024-01-02</a:t>
             </a:fld>
             <a:endParaRPr lang="ko-KR" altLang="en-US"/>
           </a:p>
@@ -2376,7 +2381,7 @@
           <a:p>
             <a:fld id="{E31A602F-9409-4B9A-9D14-798E704D8577}" type="datetimeFigureOut">
               <a:rPr lang="ko-KR" altLang="en-US" smtClean="0"/>
-              <a:t>2023-10-17</a:t>
+              <a:t>2024-01-02</a:t>
             </a:fld>
             <a:endParaRPr lang="ko-KR" altLang="en-US"/>
           </a:p>
@@ -2664,7 +2669,7 @@
           <a:p>
             <a:fld id="{E31A602F-9409-4B9A-9D14-798E704D8577}" type="datetimeFigureOut">
               <a:rPr lang="ko-KR" altLang="en-US" smtClean="0"/>
-              <a:t>2023-10-17</a:t>
+              <a:t>2024-01-02</a:t>
             </a:fld>
             <a:endParaRPr lang="ko-KR" altLang="en-US"/>
           </a:p>
@@ -2905,7 +2910,7 @@
           <a:p>
             <a:fld id="{E31A602F-9409-4B9A-9D14-798E704D8577}" type="datetimeFigureOut">
               <a:rPr lang="ko-KR" altLang="en-US" smtClean="0"/>
-              <a:t>2023-10-17</a:t>
+              <a:t>2024-01-02</a:t>
             </a:fld>
             <a:endParaRPr lang="ko-KR" altLang="en-US"/>
           </a:p>
@@ -3449,7 +3454,7 @@
         </p:nvSpPr>
         <p:spPr>
           <a:xfrm>
-            <a:off x="2414788" y="2041301"/>
+            <a:off x="2778998" y="3094874"/>
             <a:ext cx="1146220" cy="1191296"/>
           </a:xfrm>
           <a:prstGeom prst="rect">
@@ -3499,7 +3504,7 @@
         </p:nvSpPr>
         <p:spPr>
           <a:xfrm>
-            <a:off x="5522890" y="4315965"/>
+            <a:off x="5414402" y="4532941"/>
             <a:ext cx="1146220" cy="1191296"/>
           </a:xfrm>
           <a:prstGeom prst="rect">
@@ -3528,10 +3533,10 @@
           <a:p>
             <a:pPr algn="ctr"/>
             <a:r>
-              <a:rPr lang="en-US" altLang="ko-KR" dirty="0"/>
+              <a:rPr lang="en-US" altLang="ko-KR" u="sng" dirty="0"/>
               <a:t>RET</a:t>
             </a:r>
-            <a:endParaRPr lang="ko-KR" altLang="en-US" dirty="0"/>
+            <a:endParaRPr lang="ko-KR" altLang="en-US" u="sng" dirty="0"/>
           </a:p>
         </p:txBody>
       </p:sp>
@@ -3553,8 +3558,8 @@
         </p:nvCxnSpPr>
         <p:spPr>
           <a:xfrm>
-            <a:off x="3561008" y="2636949"/>
-            <a:ext cx="1961882" cy="2274664"/>
+            <a:off x="3925218" y="3690522"/>
+            <a:ext cx="1489184" cy="1438067"/>
           </a:xfrm>
           <a:prstGeom prst="straightConnector1">
             <a:avLst/>

--- a/DsDotNet/src/UnitTest/UnitTest.Model/ImportOfficeExample/exportDS/testB/B1/B2/B3/clp.pptx
+++ b/DsDotNet/src/UnitTest/UnitTest.Model/ImportOfficeExample/exportDS/testB/B1/B2/B3/clp.pptx
@@ -260,7 +260,7 @@
           <a:p>
             <a:fld id="{E31A602F-9409-4B9A-9D14-798E704D8577}" type="datetimeFigureOut">
               <a:rPr lang="ko-KR" altLang="en-US" smtClean="0"/>
-              <a:t>2024-01-02</a:t>
+              <a:t>2024-02-08</a:t>
             </a:fld>
             <a:endParaRPr lang="ko-KR" altLang="en-US"/>
           </a:p>
@@ -458,7 +458,7 @@
           <a:p>
             <a:fld id="{E31A602F-9409-4B9A-9D14-798E704D8577}" type="datetimeFigureOut">
               <a:rPr lang="ko-KR" altLang="en-US" smtClean="0"/>
-              <a:t>2024-01-02</a:t>
+              <a:t>2024-02-08</a:t>
             </a:fld>
             <a:endParaRPr lang="ko-KR" altLang="en-US"/>
           </a:p>
@@ -666,7 +666,7 @@
           <a:p>
             <a:fld id="{E31A602F-9409-4B9A-9D14-798E704D8577}" type="datetimeFigureOut">
               <a:rPr lang="ko-KR" altLang="en-US" smtClean="0"/>
-              <a:t>2024-01-02</a:t>
+              <a:t>2024-02-08</a:t>
             </a:fld>
             <a:endParaRPr lang="ko-KR" altLang="en-US"/>
           </a:p>
@@ -864,7 +864,7 @@
           <a:p>
             <a:fld id="{E31A602F-9409-4B9A-9D14-798E704D8577}" type="datetimeFigureOut">
               <a:rPr lang="ko-KR" altLang="en-US" smtClean="0"/>
-              <a:t>2024-01-02</a:t>
+              <a:t>2024-02-08</a:t>
             </a:fld>
             <a:endParaRPr lang="ko-KR" altLang="en-US"/>
           </a:p>
@@ -1139,7 +1139,7 @@
           <a:p>
             <a:fld id="{E31A602F-9409-4B9A-9D14-798E704D8577}" type="datetimeFigureOut">
               <a:rPr lang="ko-KR" altLang="en-US" smtClean="0"/>
-              <a:t>2024-01-02</a:t>
+              <a:t>2024-02-08</a:t>
             </a:fld>
             <a:endParaRPr lang="ko-KR" altLang="en-US"/>
           </a:p>
@@ -1404,7 +1404,7 @@
           <a:p>
             <a:fld id="{E31A602F-9409-4B9A-9D14-798E704D8577}" type="datetimeFigureOut">
               <a:rPr lang="ko-KR" altLang="en-US" smtClean="0"/>
-              <a:t>2024-01-02</a:t>
+              <a:t>2024-02-08</a:t>
             </a:fld>
             <a:endParaRPr lang="ko-KR" altLang="en-US"/>
           </a:p>
@@ -1816,7 +1816,7 @@
           <a:p>
             <a:fld id="{E31A602F-9409-4B9A-9D14-798E704D8577}" type="datetimeFigureOut">
               <a:rPr lang="ko-KR" altLang="en-US" smtClean="0"/>
-              <a:t>2024-01-02</a:t>
+              <a:t>2024-02-08</a:t>
             </a:fld>
             <a:endParaRPr lang="ko-KR" altLang="en-US"/>
           </a:p>
@@ -1957,7 +1957,7 @@
           <a:p>
             <a:fld id="{E31A602F-9409-4B9A-9D14-798E704D8577}" type="datetimeFigureOut">
               <a:rPr lang="ko-KR" altLang="en-US" smtClean="0"/>
-              <a:t>2024-01-02</a:t>
+              <a:t>2024-02-08</a:t>
             </a:fld>
             <a:endParaRPr lang="ko-KR" altLang="en-US"/>
           </a:p>
@@ -2070,7 +2070,7 @@
           <a:p>
             <a:fld id="{E31A602F-9409-4B9A-9D14-798E704D8577}" type="datetimeFigureOut">
               <a:rPr lang="ko-KR" altLang="en-US" smtClean="0"/>
-              <a:t>2024-01-02</a:t>
+              <a:t>2024-02-08</a:t>
             </a:fld>
             <a:endParaRPr lang="ko-KR" altLang="en-US"/>
           </a:p>
@@ -2381,7 +2381,7 @@
           <a:p>
             <a:fld id="{E31A602F-9409-4B9A-9D14-798E704D8577}" type="datetimeFigureOut">
               <a:rPr lang="ko-KR" altLang="en-US" smtClean="0"/>
-              <a:t>2024-01-02</a:t>
+              <a:t>2024-02-08</a:t>
             </a:fld>
             <a:endParaRPr lang="ko-KR" altLang="en-US"/>
           </a:p>
@@ -2669,7 +2669,7 @@
           <a:p>
             <a:fld id="{E31A602F-9409-4B9A-9D14-798E704D8577}" type="datetimeFigureOut">
               <a:rPr lang="ko-KR" altLang="en-US" smtClean="0"/>
-              <a:t>2024-01-02</a:t>
+              <a:t>2024-02-08</a:t>
             </a:fld>
             <a:endParaRPr lang="ko-KR" altLang="en-US"/>
           </a:p>
@@ -2910,7 +2910,7 @@
           <a:p>
             <a:fld id="{E31A602F-9409-4B9A-9D14-798E704D8577}" type="datetimeFigureOut">
               <a:rPr lang="ko-KR" altLang="en-US" smtClean="0"/>
-              <a:t>2024-01-02</a:t>
+              <a:t>2024-02-08</a:t>
             </a:fld>
             <a:endParaRPr lang="ko-KR" altLang="en-US"/>
           </a:p>
@@ -3349,8 +3349,8 @@
           <a:lstStyle/>
           <a:p>
             <a:r>
-              <a:rPr lang="en-US" altLang="ko-KR" dirty="0"/>
-              <a:t>dev</a:t>
+              <a:rPr lang="en-US" altLang="ko-KR"/>
+              <a:t>clp</a:t>
             </a:r>
             <a:endParaRPr lang="ko-KR" altLang="en-US" dirty="0"/>
           </a:p>
@@ -3656,7 +3656,7 @@
         </p:nvSpPr>
         <p:spPr>
           <a:xfrm flipH="1">
-            <a:off x="-663263" y="3208760"/>
+            <a:off x="-665918" y="3515510"/>
             <a:ext cx="1796603" cy="1017431"/>
           </a:xfrm>
           <a:prstGeom prst="homePlate">
@@ -3699,6 +3699,51 @@
           </a:p>
         </p:txBody>
       </p:sp>
+      <p:cxnSp>
+        <p:nvCxnSpPr>
+          <p:cNvPr id="3" name="직선 화살표 연결선 2">
+            <a:extLst>
+              <a:ext uri="{FF2B5EF4-FFF2-40B4-BE49-F238E27FC236}">
+                <a16:creationId xmlns:a16="http://schemas.microsoft.com/office/drawing/2014/main" id="{0E782157-507F-73B2-7120-431D38B7F044}"/>
+              </a:ext>
+            </a:extLst>
+          </p:cNvPr>
+          <p:cNvCxnSpPr>
+            <a:cxnSpLocks/>
+            <a:stCxn id="11" idx="2"/>
+            <a:endCxn id="12" idx="0"/>
+          </p:cNvCxnSpPr>
+          <p:nvPr/>
+        </p:nvCxnSpPr>
+        <p:spPr>
+          <a:xfrm flipH="1">
+            <a:off x="486741" y="2550016"/>
+            <a:ext cx="2655" cy="965494"/>
+          </a:xfrm>
+          <a:prstGeom prst="straightConnector1">
+            <a:avLst/>
+          </a:prstGeom>
+          <a:ln>
+            <a:prstDash val="dash"/>
+            <a:headEnd type="triangle"/>
+            <a:tailEnd type="triangle"/>
+          </a:ln>
+        </p:spPr>
+        <p:style>
+          <a:lnRef idx="1">
+            <a:schemeClr val="accent1"/>
+          </a:lnRef>
+          <a:fillRef idx="0">
+            <a:schemeClr val="accent1"/>
+          </a:fillRef>
+          <a:effectRef idx="0">
+            <a:schemeClr val="accent1"/>
+          </a:effectRef>
+          <a:fontRef idx="minor">
+            <a:schemeClr val="tx1"/>
+          </a:fontRef>
+        </p:style>
+      </p:cxnSp>
     </p:spTree>
     <p:extLst>
       <p:ext uri="{BB962C8B-B14F-4D97-AF65-F5344CB8AC3E}">

--- a/DsDotNet/src/UnitTest/UnitTest.Model/ImportOfficeExample/exportDS/testB/B1/B2/B3/clp.pptx
+++ b/DsDotNet/src/UnitTest/UnitTest.Model/ImportOfficeExample/exportDS/testB/B1/B2/B3/clp.pptx
@@ -260,7 +260,7 @@
           <a:p>
             <a:fld id="{E31A602F-9409-4B9A-9D14-798E704D8577}" type="datetimeFigureOut">
               <a:rPr lang="ko-KR" altLang="en-US" smtClean="0"/>
-              <a:t>2024-02-08</a:t>
+              <a:t>2024-02-24</a:t>
             </a:fld>
             <a:endParaRPr lang="ko-KR" altLang="en-US"/>
           </a:p>
@@ -458,7 +458,7 @@
           <a:p>
             <a:fld id="{E31A602F-9409-4B9A-9D14-798E704D8577}" type="datetimeFigureOut">
               <a:rPr lang="ko-KR" altLang="en-US" smtClean="0"/>
-              <a:t>2024-02-08</a:t>
+              <a:t>2024-02-24</a:t>
             </a:fld>
             <a:endParaRPr lang="ko-KR" altLang="en-US"/>
           </a:p>
@@ -666,7 +666,7 @@
           <a:p>
             <a:fld id="{E31A602F-9409-4B9A-9D14-798E704D8577}" type="datetimeFigureOut">
               <a:rPr lang="ko-KR" altLang="en-US" smtClean="0"/>
-              <a:t>2024-02-08</a:t>
+              <a:t>2024-02-24</a:t>
             </a:fld>
             <a:endParaRPr lang="ko-KR" altLang="en-US"/>
           </a:p>
@@ -864,7 +864,7 @@
           <a:p>
             <a:fld id="{E31A602F-9409-4B9A-9D14-798E704D8577}" type="datetimeFigureOut">
               <a:rPr lang="ko-KR" altLang="en-US" smtClean="0"/>
-              <a:t>2024-02-08</a:t>
+              <a:t>2024-02-24</a:t>
             </a:fld>
             <a:endParaRPr lang="ko-KR" altLang="en-US"/>
           </a:p>
@@ -1139,7 +1139,7 @@
           <a:p>
             <a:fld id="{E31A602F-9409-4B9A-9D14-798E704D8577}" type="datetimeFigureOut">
               <a:rPr lang="ko-KR" altLang="en-US" smtClean="0"/>
-              <a:t>2024-02-08</a:t>
+              <a:t>2024-02-24</a:t>
             </a:fld>
             <a:endParaRPr lang="ko-KR" altLang="en-US"/>
           </a:p>
@@ -1404,7 +1404,7 @@
           <a:p>
             <a:fld id="{E31A602F-9409-4B9A-9D14-798E704D8577}" type="datetimeFigureOut">
               <a:rPr lang="ko-KR" altLang="en-US" smtClean="0"/>
-              <a:t>2024-02-08</a:t>
+              <a:t>2024-02-24</a:t>
             </a:fld>
             <a:endParaRPr lang="ko-KR" altLang="en-US"/>
           </a:p>
@@ -1816,7 +1816,7 @@
           <a:p>
             <a:fld id="{E31A602F-9409-4B9A-9D14-798E704D8577}" type="datetimeFigureOut">
               <a:rPr lang="ko-KR" altLang="en-US" smtClean="0"/>
-              <a:t>2024-02-08</a:t>
+              <a:t>2024-02-24</a:t>
             </a:fld>
             <a:endParaRPr lang="ko-KR" altLang="en-US"/>
           </a:p>
@@ -1957,7 +1957,7 @@
           <a:p>
             <a:fld id="{E31A602F-9409-4B9A-9D14-798E704D8577}" type="datetimeFigureOut">
               <a:rPr lang="ko-KR" altLang="en-US" smtClean="0"/>
-              <a:t>2024-02-08</a:t>
+              <a:t>2024-02-24</a:t>
             </a:fld>
             <a:endParaRPr lang="ko-KR" altLang="en-US"/>
           </a:p>
@@ -2070,7 +2070,7 @@
           <a:p>
             <a:fld id="{E31A602F-9409-4B9A-9D14-798E704D8577}" type="datetimeFigureOut">
               <a:rPr lang="ko-KR" altLang="en-US" smtClean="0"/>
-              <a:t>2024-02-08</a:t>
+              <a:t>2024-02-24</a:t>
             </a:fld>
             <a:endParaRPr lang="ko-KR" altLang="en-US"/>
           </a:p>
@@ -2381,7 +2381,7 @@
           <a:p>
             <a:fld id="{E31A602F-9409-4B9A-9D14-798E704D8577}" type="datetimeFigureOut">
               <a:rPr lang="ko-KR" altLang="en-US" smtClean="0"/>
-              <a:t>2024-02-08</a:t>
+              <a:t>2024-02-24</a:t>
             </a:fld>
             <a:endParaRPr lang="ko-KR" altLang="en-US"/>
           </a:p>
@@ -2669,7 +2669,7 @@
           <a:p>
             <a:fld id="{E31A602F-9409-4B9A-9D14-798E704D8577}" type="datetimeFigureOut">
               <a:rPr lang="ko-KR" altLang="en-US" smtClean="0"/>
-              <a:t>2024-02-08</a:t>
+              <a:t>2024-02-24</a:t>
             </a:fld>
             <a:endParaRPr lang="ko-KR" altLang="en-US"/>
           </a:p>
@@ -2910,7 +2910,7 @@
           <a:p>
             <a:fld id="{E31A602F-9409-4B9A-9D14-798E704D8577}" type="datetimeFigureOut">
               <a:rPr lang="ko-KR" altLang="en-US" smtClean="0"/>
-              <a:t>2024-02-08</a:t>
+              <a:t>2024-02-24</a:t>
             </a:fld>
             <a:endParaRPr lang="ko-KR" altLang="en-US"/>
           </a:p>
@@ -3629,7 +3629,7 @@
             <a:pPr algn="ctr"/>
             <a:r>
               <a:rPr lang="en-US" altLang="ko-KR" dirty="0"/>
-              <a:t>+</a:t>
+              <a:t>ADV</a:t>
             </a:r>
           </a:p>
           <a:p>
@@ -3686,7 +3686,7 @@
             <a:pPr algn="ctr"/>
             <a:r>
               <a:rPr lang="en-US" altLang="ko-KR" dirty="0"/>
-              <a:t>-</a:t>
+              <a:t>RET</a:t>
             </a:r>
           </a:p>
           <a:p>
